--- a/submissions/phase2/prep.pptx
+++ b/submissions/phase2/prep.pptx
@@ -3991,12 +3991,13 @@
           <a:p>
             <a:r>
               <a:rPr lang="en-US" altLang="zh-CN" dirty="0"/>
-              <a:t>No attribute pairs has a high correlation (&gt;0.7). </a:t>
-            </a:r>
-            <a:r>
-              <a:rPr lang="en-US" altLang="zh-CN" b="1" dirty="0"/>
-              <a:t>?</a:t>
-            </a:r>
+              <a:t>Some attribute pairs has a correlation </a:t>
+            </a:r>
+            <a:r>
+              <a:rPr lang="en-US" altLang="zh-CN"/>
+              <a:t>greater than 0.5.</a:t>
+            </a:r>
+            <a:endParaRPr lang="en-US" altLang="zh-CN" b="1" dirty="0"/>
           </a:p>
           <a:p>
             <a:r>

--- a/submissions/phase2/prep.pptx
+++ b/submissions/phase2/prep.pptx
@@ -3960,8 +3960,8 @@
         </p:nvSpPr>
         <p:spPr>
           <a:xfrm>
-            <a:off x="988449" y="5016446"/>
-            <a:ext cx="7622151" cy="735714"/>
+            <a:off x="869591" y="5134979"/>
+            <a:ext cx="7622151" cy="1400512"/>
           </a:xfrm>
           <a:prstGeom prst="rect">
             <a:avLst/>
@@ -3991,18 +3991,14 @@
           <a:p>
             <a:r>
               <a:rPr lang="en-US" altLang="zh-CN" dirty="0"/>
-              <a:t>Some attribute pairs has a correlation </a:t>
-            </a:r>
-            <a:r>
-              <a:rPr lang="en-US" altLang="zh-CN"/>
-              <a:t>greater than 0.5.</a:t>
+              <a:t>Some attribute pairs has a correlation greater than 0.5. But no attribute pair has a correlation greater than 0.7 after the transformation. </a:t>
             </a:r>
             <a:endParaRPr lang="en-US" altLang="zh-CN" b="1" dirty="0"/>
           </a:p>
           <a:p>
             <a:r>
               <a:rPr lang="en-US" altLang="zh-CN" dirty="0"/>
-              <a:t>The VIFs of all attributes are below 5. </a:t>
+              <a:t>The VIFs of all attributes are below 5, indicating that attributes are moderately correlated. </a:t>
             </a:r>
           </a:p>
         </p:txBody>
@@ -4492,8 +4488,8 @@
         </p:nvSpPr>
         <p:spPr>
           <a:xfrm>
-            <a:off x="1230084" y="1495207"/>
-            <a:ext cx="9731831" cy="4724498"/>
+            <a:off x="1230084" y="1183515"/>
+            <a:ext cx="9731831" cy="5389296"/>
           </a:xfrm>
           <a:prstGeom prst="rect">
             <a:avLst/>
@@ -4702,11 +4698,27 @@
             </a:pPr>
             <a:r>
               <a:rPr lang="en-US" altLang="zh-CN" dirty="0"/>
-              <a:t>The second transformation is to perform data standardization. </a:t>
+              <a:t>The second transformation is to perform data standardization.</a:t>
             </a:r>
           </a:p>
           <a:p>
             <a:pPr marL="742950" lvl="1" indent="-285750">
+              <a:lnSpc>
+                <a:spcPct val="120000"/>
+              </a:lnSpc>
+              <a:buClr>
+                <a:srgbClr val="D41B2C"/>
+              </a:buClr>
+              <a:buFont typeface="Arial" panose="020B0604020202020204" pitchFamily="34" charset="0"/>
+              <a:buChar char="•"/>
+            </a:pPr>
+            <a:r>
+              <a:rPr lang="en-US" altLang="zh-CN" dirty="0"/>
+              <a:t>We choose standardization as the method to re-scale features so that values of each feature have zero-mean and unit-variance.</a:t>
+            </a:r>
+          </a:p>
+          <a:p>
+            <a:pPr marL="285750" indent="-285750">
               <a:lnSpc>
                 <a:spcPct val="120000"/>
               </a:lnSpc>
@@ -4718,7 +4730,23 @@
             </a:pPr>
             <a:r>
               <a:rPr lang="en-US" altLang="zh-CN" dirty="0"/>
-              <a:t>We choose standardization as the method to re-scale features so that values of each feature have zero-mean and unit-variance.</a:t>
+              <a:t>The third transformation is to target encoding for categorical data.</a:t>
+            </a:r>
+          </a:p>
+          <a:p>
+            <a:pPr marL="742950" lvl="1" indent="-285750">
+              <a:lnSpc>
+                <a:spcPct val="120000"/>
+              </a:lnSpc>
+              <a:buClr>
+                <a:srgbClr val="D41B2C"/>
+              </a:buClr>
+              <a:buFont typeface="Arial" panose="020B0604020202020204" pitchFamily="34" charset="0"/>
+              <a:buChar char="•"/>
+            </a:pPr>
+            <a:r>
+              <a:rPr lang="en-US" altLang="zh-CN" dirty="0"/>
+              <a:t>Target encoding is implemented to transform data into numerical values.</a:t>
             </a:r>
           </a:p>
         </p:txBody>
@@ -5539,8 +5567,8 @@
         </p:nvSpPr>
         <p:spPr>
           <a:xfrm>
-            <a:off x="781878" y="2658613"/>
-            <a:ext cx="10456736" cy="1400512"/>
+            <a:off x="781878" y="2174929"/>
+            <a:ext cx="10456736" cy="3062505"/>
           </a:xfrm>
           <a:prstGeom prst="rect">
             <a:avLst/>
@@ -5553,7 +5581,22 @@
           </a:bodyPr>
           <a:lstStyle/>
           <a:p>
-            <a:pPr marL="285750" indent="-285750">
+            <a:pPr>
+              <a:lnSpc>
+                <a:spcPct val="120000"/>
+              </a:lnSpc>
+              <a:buClr>
+                <a:srgbClr val="D41B2C"/>
+              </a:buClr>
+            </a:pPr>
+            <a:r>
+              <a:rPr lang="en-US" altLang="zh-CN" dirty="0"/>
+              <a:t>A pipeline of transformers is created to perform several important transformations listed below.</a:t>
+            </a:r>
+            <a:endParaRPr lang="en-US" altLang="zh-CN" b="1" dirty="0"/>
+          </a:p>
+          <a:p>
+            <a:pPr marL="742950" lvl="1" indent="-285750">
               <a:lnSpc>
                 <a:spcPct val="120000"/>
               </a:lnSpc>
@@ -5563,10 +5606,7 @@
               <a:buFont typeface="Wingdings" panose="05000000000000000000" pitchFamily="2" charset="2"/>
               <a:buChar char="n"/>
             </a:pPr>
-            <a:r>
-              <a:rPr lang="en-US" altLang="zh-CN" dirty="0"/>
-              <a:t>A pipeline of transformers is created to perform several important transformations listed below.</a:t>
-            </a:r>
+            <a:endParaRPr lang="en-US" altLang="zh-CN" b="1" dirty="0"/>
           </a:p>
           <a:p>
             <a:pPr marL="742950" lvl="1" indent="-285750">
@@ -5580,10 +5620,46 @@
               <a:buChar char="n"/>
             </a:pPr>
             <a:r>
-              <a:rPr lang="en-US" altLang="zh-CN" b="1" dirty="0" err="1"/>
-              <a:t>DropColumnsTransfomer</a:t>
-            </a:r>
-            <a:endParaRPr lang="en-US" altLang="zh-CN" b="1" dirty="0"/>
+              <a:rPr lang="en-US" altLang="zh-CN" b="1" dirty="0"/>
+              <a:t>Numerical attributes</a:t>
+            </a:r>
+          </a:p>
+          <a:p>
+            <a:pPr marL="1200150" lvl="2" indent="-285750">
+              <a:lnSpc>
+                <a:spcPct val="120000"/>
+              </a:lnSpc>
+              <a:buClr>
+                <a:srgbClr val="D41B2C"/>
+              </a:buClr>
+              <a:buFont typeface="Arial" panose="020B0604020202020204" pitchFamily="34" charset="0"/>
+              <a:buChar char="•"/>
+            </a:pPr>
+            <a:r>
+              <a:rPr lang="en-US" altLang="zh-CN" dirty="0" err="1"/>
+              <a:t>DropColumnsTransformer</a:t>
+            </a:r>
+            <a:endParaRPr lang="en-US" altLang="zh-CN" dirty="0"/>
+          </a:p>
+          <a:p>
+            <a:pPr marL="1200150" lvl="2" indent="-285750">
+              <a:lnSpc>
+                <a:spcPct val="120000"/>
+              </a:lnSpc>
+              <a:buClr>
+                <a:srgbClr val="D41B2C"/>
+              </a:buClr>
+              <a:buFont typeface="Arial" panose="020B0604020202020204" pitchFamily="34" charset="0"/>
+              <a:buChar char="•"/>
+            </a:pPr>
+            <a:r>
+              <a:rPr lang="en-US" altLang="zh-CN" dirty="0" err="1"/>
+              <a:t>StandardScaler</a:t>
+            </a:r>
+            <a:r>
+              <a:rPr lang="en-US" altLang="zh-CN" dirty="0"/>
+              <a:t>()</a:t>
+            </a:r>
           </a:p>
           <a:p>
             <a:pPr marL="742950" lvl="1" indent="-285750">
@@ -5597,30 +5673,63 @@
               <a:buChar char="n"/>
             </a:pPr>
             <a:r>
-              <a:rPr lang="en-US" altLang="zh-CN" b="1" dirty="0" err="1"/>
-              <a:t>TargetEncoder</a:t>
-            </a:r>
-            <a:endParaRPr lang="en-US" altLang="zh-CN" b="1" dirty="0"/>
-          </a:p>
-          <a:p>
-            <a:pPr marL="742950" lvl="1" indent="-285750">
+              <a:rPr lang="en-US" altLang="zh-CN" b="1" dirty="0"/>
+              <a:t>Categorical attributes</a:t>
+            </a:r>
+          </a:p>
+          <a:p>
+            <a:pPr marL="1200150" lvl="2" indent="-285750">
               <a:lnSpc>
                 <a:spcPct val="120000"/>
               </a:lnSpc>
               <a:buClr>
                 <a:srgbClr val="D41B2C"/>
               </a:buClr>
-              <a:buFont typeface="Wingdings" panose="05000000000000000000" pitchFamily="2" charset="2"/>
-              <a:buChar char="n"/>
+              <a:buFont typeface="Arial" panose="020B0604020202020204" pitchFamily="34" charset="0"/>
+              <a:buChar char="•"/>
             </a:pPr>
             <a:r>
-              <a:rPr lang="en-US" altLang="zh-CN" b="1" dirty="0" err="1"/>
+              <a:rPr lang="en-US" altLang="zh-CN" dirty="0" err="1"/>
+              <a:t>DropColumnsTransformer</a:t>
+            </a:r>
+            <a:endParaRPr lang="en-US" altLang="zh-CN" dirty="0"/>
+          </a:p>
+          <a:p>
+            <a:pPr marL="1200150" lvl="2" indent="-285750">
+              <a:lnSpc>
+                <a:spcPct val="120000"/>
+              </a:lnSpc>
+              <a:buClr>
+                <a:srgbClr val="D41B2C"/>
+              </a:buClr>
+              <a:buFont typeface="Arial" panose="020B0604020202020204" pitchFamily="34" charset="0"/>
+              <a:buChar char="•"/>
+            </a:pPr>
+            <a:r>
+              <a:rPr lang="en-US" altLang="zh-CN" dirty="0" err="1"/>
               <a:t>StandardScaler</a:t>
             </a:r>
             <a:r>
-              <a:rPr lang="en-US" altLang="zh-CN" b="1" dirty="0"/>
+              <a:rPr lang="en-US" altLang="zh-CN" dirty="0"/>
               <a:t>()</a:t>
             </a:r>
+          </a:p>
+          <a:p>
+            <a:pPr marL="1200150" lvl="2" indent="-285750">
+              <a:lnSpc>
+                <a:spcPct val="120000"/>
+              </a:lnSpc>
+              <a:buClr>
+                <a:srgbClr val="D41B2C"/>
+              </a:buClr>
+              <a:buFont typeface="Arial" panose="020B0604020202020204" pitchFamily="34" charset="0"/>
+              <a:buChar char="•"/>
+            </a:pPr>
+            <a:r>
+              <a:rPr lang="en-US" altLang="zh-CN" dirty="0" err="1"/>
+              <a:t>TargetEncoder</a:t>
+            </a:r>
+            <a:endParaRPr lang="en-US" altLang="zh-CN" dirty="0"/>
           </a:p>
         </p:txBody>
       </p:sp>
@@ -5931,8 +6040,8 @@
               <a:buClr>
                 <a:srgbClr val="D41B2C"/>
               </a:buClr>
-              <a:buFont typeface="Wingdings" panose="05000000000000000000" pitchFamily="2" charset="2"/>
-              <a:buChar char="n"/>
+              <a:buFont typeface="Arial" panose="020B0604020202020204" pitchFamily="34" charset="0"/>
+              <a:buChar char="•"/>
             </a:pPr>
             <a:r>
               <a:rPr lang="en-US" altLang="zh-CN" dirty="0"/>
@@ -6808,8 +6917,8 @@
         </p:nvSpPr>
         <p:spPr>
           <a:xfrm>
-            <a:off x="781878" y="5596901"/>
-            <a:ext cx="9811338" cy="1068113"/>
+            <a:off x="781877" y="5596901"/>
+            <a:ext cx="10234465" cy="1068113"/>
           </a:xfrm>
           <a:prstGeom prst="rect">
             <a:avLst/>
@@ -6839,15 +6948,14 @@
           <a:p>
             <a:r>
               <a:rPr lang="en-US" altLang="zh-CN" dirty="0"/>
-              <a:t>Outlier fraction values in most attributes are decreased after the transformation. </a:t>
+              <a:t>The difference (outlier fraction) between pre-transformed and post-transformed data is very small. </a:t>
             </a:r>
           </a:p>
           <a:p>
             <a:r>
               <a:rPr lang="en-US" altLang="zh-CN" dirty="0"/>
-              <a:t>No value or attribute is dropped in this step because of the large number of ‘outliers’ and the usefulness of these attributes.</a:t>
-            </a:r>
-            <a:endParaRPr lang="zh-CN" altLang="en-US" dirty="0"/>
+              <a:t>Because all attributes are categorical, the existence of numerous ‘outliers’ is reasonable. No modification on these data points is added. </a:t>
+            </a:r>
           </a:p>
         </p:txBody>
       </p:sp>

--- a/submissions/phase2/prep.pptx
+++ b/submissions/phase2/prep.pptx
@@ -123,6 +123,11 @@
           </p15:clr>
         </p15:guide>
         <p15:guide id="2" pos="3840" userDrawn="1">
+          <p15:clr>
+            <a:srgbClr val="A4A3A4"/>
+          </p15:clr>
+        </p15:guide>
+        <p15:guide id="3" pos="480" userDrawn="1">
           <p15:clr>
             <a:srgbClr val="A4A3A4"/>
           </p15:clr>
@@ -3830,8 +3835,8 @@
         </p:nvSpPr>
         <p:spPr>
           <a:xfrm>
-            <a:off x="781878" y="160847"/>
-            <a:ext cx="11410122" cy="658835"/>
+            <a:off x="781878" y="122006"/>
+            <a:ext cx="11410122" cy="820674"/>
           </a:xfrm>
           <a:prstGeom prst="rect">
             <a:avLst/>
@@ -3850,7 +3855,7 @@
               </a:lnSpc>
             </a:pPr>
             <a:r>
-              <a:rPr lang="en-US" altLang="zh-CN" sz="2800" dirty="0">
+              <a:rPr lang="en-US" altLang="zh-CN" sz="3600" dirty="0">
                 <a:solidFill>
                   <a:schemeClr val="bg2">
                     <a:lumMod val="25000"/>
@@ -3860,7 +3865,7 @@
                 <a:ea typeface="微软雅黑" panose="020B0503020204020204" pitchFamily="34" charset="-122"/>
                 <a:cs typeface="Arial" panose="020B0604020202020204" pitchFamily="34" charset="0"/>
               </a:rPr>
-              <a:t>EDA on transformed train set: correlation and VIF</a:t>
+              <a:t>EDA on transformed train set: Correlation and VIF</a:t>
             </a:r>
           </a:p>
         </p:txBody>
@@ -3991,14 +3996,50 @@
           <a:p>
             <a:r>
               <a:rPr lang="en-US" altLang="zh-CN" dirty="0"/>
-              <a:t>Some attribute pairs has a correlation greater than 0.5. But no attribute pair has a correlation greater than 0.7 after the transformation. </a:t>
+              <a:t>Some attribute pairs have correlations greater than 0.5, but </a:t>
+            </a:r>
+            <a:r>
+              <a:rPr lang="en-US" altLang="zh-CN" b="1" dirty="0">
+                <a:solidFill>
+                  <a:srgbClr val="D41B2C"/>
+                </a:solidFill>
+              </a:rPr>
+              <a:t>no attribute </a:t>
+            </a:r>
+            <a:r>
+              <a:rPr lang="en-US" altLang="zh-CN" dirty="0"/>
+              <a:t>pair has a correlation </a:t>
+            </a:r>
+            <a:r>
+              <a:rPr lang="en-US" altLang="zh-CN" b="1" dirty="0">
+                <a:solidFill>
+                  <a:srgbClr val="D41B2C"/>
+                </a:solidFill>
+              </a:rPr>
+              <a:t>greater than 0.7 </a:t>
+            </a:r>
+            <a:r>
+              <a:rPr lang="en-US" altLang="zh-CN" dirty="0"/>
+              <a:t>after the transformation. </a:t>
             </a:r>
             <a:endParaRPr lang="en-US" altLang="zh-CN" b="1" dirty="0"/>
           </a:p>
           <a:p>
             <a:r>
               <a:rPr lang="en-US" altLang="zh-CN" dirty="0"/>
-              <a:t>The VIFs of all attributes are below 5, indicating that attributes are moderately correlated. </a:t>
+              <a:t>The VIFs of all attributes are </a:t>
+            </a:r>
+            <a:r>
+              <a:rPr lang="en-US" altLang="zh-CN" b="1" dirty="0">
+                <a:solidFill>
+                  <a:srgbClr val="D41B2C"/>
+                </a:solidFill>
+              </a:rPr>
+              <a:t>below 5</a:t>
+            </a:r>
+            <a:r>
+              <a:rPr lang="en-US" altLang="zh-CN" dirty="0"/>
+              <a:t>, indicating that attributes are moderately correlated. </a:t>
             </a:r>
           </a:p>
         </p:txBody>
@@ -4031,6 +4072,11 @@
           <a:prstGeom prst="rect">
             <a:avLst/>
           </a:prstGeom>
+          <a:ln>
+            <a:solidFill>
+              <a:srgbClr val="328EB5"/>
+            </a:solidFill>
+          </a:ln>
         </p:spPr>
       </p:pic>
       <p:pic>
@@ -4055,12 +4101,17 @@
         </p:blipFill>
         <p:spPr>
           <a:xfrm>
-            <a:off x="5099076" y="1313477"/>
+            <a:off x="5164390" y="1313477"/>
             <a:ext cx="3187864" cy="3079908"/>
           </a:xfrm>
           <a:prstGeom prst="rect">
             <a:avLst/>
           </a:prstGeom>
+          <a:ln>
+            <a:solidFill>
+              <a:srgbClr val="328EB5"/>
+            </a:solidFill>
+          </a:ln>
         </p:spPr>
       </p:pic>
       <p:pic>
@@ -4091,6 +4142,11 @@
           <a:prstGeom prst="rect">
             <a:avLst/>
           </a:prstGeom>
+          <a:ln>
+            <a:solidFill>
+              <a:srgbClr val="328EB5"/>
+            </a:solidFill>
+          </a:ln>
         </p:spPr>
       </p:pic>
     </p:spTree>
@@ -4138,7 +4194,7 @@
         <p:spPr>
           <a:xfrm>
             <a:off x="781878" y="95532"/>
-            <a:ext cx="11410122" cy="658835"/>
+            <a:ext cx="11410122" cy="820674"/>
           </a:xfrm>
           <a:prstGeom prst="rect">
             <a:avLst/>
@@ -4157,7 +4213,7 @@
               </a:lnSpc>
             </a:pPr>
             <a:r>
-              <a:rPr lang="en-US" altLang="zh-CN" sz="2800" dirty="0">
+              <a:rPr lang="en-US" altLang="zh-CN" sz="3600" dirty="0">
                 <a:solidFill>
                   <a:schemeClr val="bg2">
                     <a:lumMod val="25000"/>
@@ -4167,7 +4223,7 @@
                 <a:ea typeface="微软雅黑" panose="020B0503020204020204" pitchFamily="34" charset="-122"/>
                 <a:cs typeface="Arial" panose="020B0604020202020204" pitchFamily="34" charset="0"/>
               </a:rPr>
-              <a:t>Discussion</a:t>
+              <a:t>Discussions</a:t>
             </a:r>
           </a:p>
         </p:txBody>
@@ -4267,8 +4323,8 @@
         </p:nvSpPr>
         <p:spPr>
           <a:xfrm>
-            <a:off x="781878" y="2693286"/>
-            <a:ext cx="10456736" cy="1732910"/>
+            <a:off x="761999" y="2054610"/>
+            <a:ext cx="8052391" cy="1400512"/>
           </a:xfrm>
           <a:prstGeom prst="rect">
             <a:avLst/>
@@ -4296,6 +4352,35 @@
               <a:t>Checking if the original data set is pre-encoded and if values have statistical meaning are important. We need to use the description of attributes and the distribution of dataset to identify whether attributes should be considered as categorical or numerical. </a:t>
             </a:r>
           </a:p>
+        </p:txBody>
+      </p:sp>
+      <p:sp>
+        <p:nvSpPr>
+          <p:cNvPr id="4" name="TextBox 3">
+            <a:extLst>
+              <a:ext uri="{FF2B5EF4-FFF2-40B4-BE49-F238E27FC236}">
+                <a16:creationId xmlns:a16="http://schemas.microsoft.com/office/drawing/2014/main" id="{7648F21C-D00B-BF85-C8B4-656B1BA0DE2E}"/>
+              </a:ext>
+            </a:extLst>
+          </p:cNvPr>
+          <p:cNvSpPr txBox="1"/>
+          <p:nvPr/>
+        </p:nvSpPr>
+        <p:spPr>
+          <a:xfrm>
+            <a:off x="781877" y="3718004"/>
+            <a:ext cx="8032513" cy="735714"/>
+          </a:xfrm>
+          <a:prstGeom prst="rect">
+            <a:avLst/>
+          </a:prstGeom>
+          <a:noFill/>
+        </p:spPr>
+        <p:txBody>
+          <a:bodyPr wrap="square">
+            <a:spAutoFit/>
+          </a:bodyPr>
+          <a:lstStyle/>
           <a:p>
             <a:pPr marL="285750" indent="-285750">
               <a:lnSpc>
@@ -4309,7 +4394,7 @@
             </a:pPr>
             <a:r>
               <a:rPr lang="en-US" altLang="zh-CN" dirty="0"/>
-              <a:t>Using the commonly used strategies to detect and handle outliers may be ineffective for categorical data. </a:t>
+              <a:t>Using the commonly used strategies to detect and handle outliers may be ineffective for pre-encoded categorical data. </a:t>
             </a:r>
           </a:p>
         </p:txBody>
@@ -4388,7 +4473,7 @@
                 <a:ea typeface="微软雅黑" panose="020B0503020204020204" pitchFamily="34" charset="-122"/>
                 <a:cs typeface="Arial" panose="020B0604020202020204" pitchFamily="34" charset="0"/>
               </a:rPr>
-              <a:t>Identify required transformation</a:t>
+              <a:t>Identify required transformations</a:t>
             </a:r>
           </a:p>
         </p:txBody>
@@ -4488,8 +4573,8 @@
         </p:nvSpPr>
         <p:spPr>
           <a:xfrm>
-            <a:off x="1230084" y="1183515"/>
-            <a:ext cx="9731831" cy="5389296"/>
+            <a:off x="781878" y="1128858"/>
+            <a:ext cx="9731831" cy="403316"/>
           </a:xfrm>
           <a:prstGeom prst="rect">
             <a:avLst/>
@@ -4512,20 +4597,38 @@
             </a:pPr>
             <a:r>
               <a:rPr lang="en-US" altLang="zh-CN" dirty="0"/>
-              <a:t>Based on the exploratory data analysis conducted, we identify two required transformation.</a:t>
-            </a:r>
-          </a:p>
-          <a:p>
-            <a:pPr>
-              <a:lnSpc>
-                <a:spcPct val="120000"/>
-              </a:lnSpc>
-              <a:buClr>
-                <a:srgbClr val="D41B2C"/>
-              </a:buClr>
-            </a:pPr>
-            <a:endParaRPr lang="en-US" altLang="zh-CN" dirty="0"/>
-          </a:p>
+              <a:t>Based on the exploratory data analysis conducted, we identify three required transformations.</a:t>
+            </a:r>
+          </a:p>
+        </p:txBody>
+      </p:sp>
+      <p:sp>
+        <p:nvSpPr>
+          <p:cNvPr id="4" name="TextBox 3">
+            <a:extLst>
+              <a:ext uri="{FF2B5EF4-FFF2-40B4-BE49-F238E27FC236}">
+                <a16:creationId xmlns:a16="http://schemas.microsoft.com/office/drawing/2014/main" id="{0D75C1D3-B42A-7FCF-DBC3-F0D774967674}"/>
+              </a:ext>
+            </a:extLst>
+          </p:cNvPr>
+          <p:cNvSpPr txBox="1"/>
+          <p:nvPr/>
+        </p:nvSpPr>
+        <p:spPr>
+          <a:xfrm>
+            <a:off x="916615" y="5312120"/>
+            <a:ext cx="10124854" cy="1400512"/>
+          </a:xfrm>
+          <a:prstGeom prst="rect">
+            <a:avLst/>
+          </a:prstGeom>
+          <a:noFill/>
+        </p:spPr>
+        <p:txBody>
+          <a:bodyPr wrap="square">
+            <a:spAutoFit/>
+          </a:bodyPr>
+          <a:lstStyle/>
           <a:p>
             <a:pPr marL="285750" indent="-285750">
               <a:lnSpc>
@@ -4539,7 +4642,19 @@
             </a:pPr>
             <a:r>
               <a:rPr lang="en-US" altLang="zh-CN" dirty="0"/>
-              <a:t>The first one is to drop 9 attributes listed below. </a:t>
+              <a:t>The second transformation is to perform data </a:t>
+            </a:r>
+            <a:r>
+              <a:rPr lang="en-US" altLang="zh-CN" b="1" dirty="0">
+                <a:solidFill>
+                  <a:srgbClr val="D41B2C"/>
+                </a:solidFill>
+              </a:rPr>
+              <a:t>standardization</a:t>
+            </a:r>
+            <a:r>
+              <a:rPr lang="en-US" altLang="zh-CN" dirty="0"/>
+              <a:t>.</a:t>
             </a:r>
           </a:p>
           <a:p>
@@ -4554,10 +4669,9 @@
               <a:buChar char="•"/>
             </a:pPr>
             <a:r>
-              <a:rPr lang="en-US" altLang="zh-CN" b="1" i="1" dirty="0" err="1"/>
-              <a:t>app_score</a:t>
-            </a:r>
-            <a:endParaRPr lang="en-US" altLang="zh-CN" b="1" i="1" dirty="0"/>
+              <a:rPr lang="en-US" altLang="zh-CN" dirty="0"/>
+              <a:t>We choose standardization as the method to re-scale features so that values of each feature have zero mean and unit variance.</a:t>
+            </a:r>
           </a:p>
           <a:p>
             <a:pPr marL="742950" lvl="1" indent="-285750">
@@ -4571,10 +4685,66 @@
               <a:buChar char="•"/>
             </a:pPr>
             <a:r>
-              <a:rPr lang="en-US" altLang="zh-CN" b="1" i="1" dirty="0" err="1"/>
-              <a:t>hist_on_shelf_time</a:t>
-            </a:r>
-            <a:endParaRPr lang="en-US" altLang="zh-CN" b="1" i="1" dirty="0"/>
+              <a:rPr lang="en-US" altLang="zh-CN" dirty="0"/>
+              <a:t>It is less sensitive to outliers than normalization.</a:t>
+            </a:r>
+          </a:p>
+        </p:txBody>
+      </p:sp>
+      <p:sp>
+        <p:nvSpPr>
+          <p:cNvPr id="6" name="TextBox 5">
+            <a:extLst>
+              <a:ext uri="{FF2B5EF4-FFF2-40B4-BE49-F238E27FC236}">
+                <a16:creationId xmlns:a16="http://schemas.microsoft.com/office/drawing/2014/main" id="{47FF58F9-2600-56DA-B318-A833F9F56826}"/>
+              </a:ext>
+            </a:extLst>
+          </p:cNvPr>
+          <p:cNvSpPr txBox="1"/>
+          <p:nvPr/>
+        </p:nvSpPr>
+        <p:spPr>
+          <a:xfrm>
+            <a:off x="916615" y="1539506"/>
+            <a:ext cx="10124854" cy="3062505"/>
+          </a:xfrm>
+          <a:prstGeom prst="rect">
+            <a:avLst/>
+          </a:prstGeom>
+          <a:noFill/>
+        </p:spPr>
+        <p:txBody>
+          <a:bodyPr wrap="square">
+            <a:spAutoFit/>
+          </a:bodyPr>
+          <a:lstStyle/>
+          <a:p>
+            <a:pPr marL="285750" indent="-285750">
+              <a:lnSpc>
+                <a:spcPct val="120000"/>
+              </a:lnSpc>
+              <a:buClr>
+                <a:srgbClr val="D41B2C"/>
+              </a:buClr>
+              <a:buFont typeface="Wingdings" panose="05000000000000000000" pitchFamily="2" charset="2"/>
+              <a:buChar char="n"/>
+            </a:pPr>
+            <a:r>
+              <a:rPr lang="en-US" altLang="zh-CN" dirty="0"/>
+              <a:t>The first one is to </a:t>
+            </a:r>
+            <a:r>
+              <a:rPr lang="en-US" altLang="zh-CN" b="1" dirty="0">
+                <a:solidFill>
+                  <a:srgbClr val="D41B2C"/>
+                </a:solidFill>
+              </a:rPr>
+              <a:t>drop 9 attributes </a:t>
+            </a:r>
+            <a:r>
+              <a:rPr lang="en-US" altLang="zh-CN" dirty="0"/>
+              <a:t>listed below. </a:t>
+            </a:r>
           </a:p>
           <a:p>
             <a:pPr marL="742950" lvl="1" indent="-285750">
@@ -4589,15 +4759,7 @@
             </a:pPr>
             <a:r>
               <a:rPr lang="en-US" altLang="zh-CN" b="1" i="1" dirty="0" err="1"/>
-              <a:t>task_id</a:t>
-            </a:r>
-            <a:r>
-              <a:rPr lang="en-US" altLang="zh-CN" dirty="0"/>
-              <a:t>, </a:t>
-            </a:r>
-            <a:r>
-              <a:rPr lang="en-US" altLang="zh-CN" b="1" i="1" dirty="0" err="1"/>
-              <a:t>spread_app_id</a:t>
+              <a:t>app_score</a:t>
             </a:r>
             <a:endParaRPr lang="en-US" altLang="zh-CN" b="1" i="1" dirty="0"/>
           </a:p>
@@ -4613,9 +4775,10 @@
               <a:buChar char="•"/>
             </a:pPr>
             <a:r>
-              <a:rPr lang="en-US" altLang="zh-CN" b="1" i="1" dirty="0"/>
-              <a:t>Tags</a:t>
-            </a:r>
+              <a:rPr lang="en-US" altLang="zh-CN" b="1" i="1" dirty="0" err="1"/>
+              <a:t>hist_on_shelf_time</a:t>
+            </a:r>
+            <a:endParaRPr lang="en-US" altLang="zh-CN" b="1" i="1" dirty="0"/>
           </a:p>
           <a:p>
             <a:pPr marL="742950" lvl="1" indent="-285750">
@@ -4630,7 +4793,15 @@
             </a:pPr>
             <a:r>
               <a:rPr lang="en-US" altLang="zh-CN" b="1" i="1" dirty="0" err="1"/>
-              <a:t>dev_id</a:t>
+              <a:t>task_id</a:t>
+            </a:r>
+            <a:r>
+              <a:rPr lang="en-US" altLang="zh-CN" dirty="0"/>
+              <a:t>, </a:t>
+            </a:r>
+            <a:r>
+              <a:rPr lang="en-US" altLang="zh-CN" b="1" i="1" dirty="0" err="1"/>
+              <a:t>spread_app_id</a:t>
             </a:r>
             <a:endParaRPr lang="en-US" altLang="zh-CN" b="1" i="1" dirty="0"/>
           </a:p>
@@ -4646,10 +4817,9 @@
               <a:buChar char="•"/>
             </a:pPr>
             <a:r>
-              <a:rPr lang="en-US" altLang="zh-CN" b="1" i="1" dirty="0" err="1"/>
-              <a:t>app_second_class</a:t>
-            </a:r>
-            <a:endParaRPr lang="en-US" altLang="zh-CN" b="1" i="1" dirty="0"/>
+              <a:rPr lang="en-US" altLang="zh-CN" b="1" i="1" dirty="0"/>
+              <a:t>Tags</a:t>
+            </a:r>
           </a:p>
           <a:p>
             <a:pPr marL="742950" lvl="1" indent="-285750">
@@ -4664,7 +4834,7 @@
             </a:pPr>
             <a:r>
               <a:rPr lang="en-US" altLang="zh-CN" b="1" i="1" dirty="0" err="1"/>
-              <a:t>adv_prim_id</a:t>
+              <a:t>dev_id</a:t>
             </a:r>
             <a:endParaRPr lang="en-US" altLang="zh-CN" b="1" i="1" dirty="0"/>
           </a:p>
@@ -4681,10 +4851,73 @@
             </a:pPr>
             <a:r>
               <a:rPr lang="en-US" altLang="zh-CN" b="1" i="1" dirty="0" err="1"/>
+              <a:t>app_second_class</a:t>
+            </a:r>
+            <a:endParaRPr lang="en-US" altLang="zh-CN" b="1" i="1" dirty="0"/>
+          </a:p>
+          <a:p>
+            <a:pPr marL="742950" lvl="1" indent="-285750">
+              <a:lnSpc>
+                <a:spcPct val="120000"/>
+              </a:lnSpc>
+              <a:buClr>
+                <a:srgbClr val="D41B2C"/>
+              </a:buClr>
+              <a:buFont typeface="Arial" panose="020B0604020202020204" pitchFamily="34" charset="0"/>
+              <a:buChar char="•"/>
+            </a:pPr>
+            <a:r>
+              <a:rPr lang="en-US" altLang="zh-CN" b="1" i="1" dirty="0" err="1"/>
+              <a:t>adv_prim_id</a:t>
+            </a:r>
+            <a:endParaRPr lang="en-US" altLang="zh-CN" b="1" i="1" dirty="0"/>
+          </a:p>
+          <a:p>
+            <a:pPr marL="742950" lvl="1" indent="-285750">
+              <a:lnSpc>
+                <a:spcPct val="120000"/>
+              </a:lnSpc>
+              <a:buClr>
+                <a:srgbClr val="D41B2C"/>
+              </a:buClr>
+              <a:buFont typeface="Arial" panose="020B0604020202020204" pitchFamily="34" charset="0"/>
+              <a:buChar char="•"/>
+            </a:pPr>
+            <a:r>
+              <a:rPr lang="en-US" altLang="zh-CN" b="1" i="1" dirty="0" err="1"/>
               <a:t>device_price</a:t>
             </a:r>
-            <a:endParaRPr lang="en-US" altLang="zh-CN" dirty="0"/>
-          </a:p>
+            <a:endParaRPr lang="en-US" altLang="zh-CN" b="1" i="1" dirty="0"/>
+          </a:p>
+        </p:txBody>
+      </p:sp>
+      <p:sp>
+        <p:nvSpPr>
+          <p:cNvPr id="10" name="TextBox 9">
+            <a:extLst>
+              <a:ext uri="{FF2B5EF4-FFF2-40B4-BE49-F238E27FC236}">
+                <a16:creationId xmlns:a16="http://schemas.microsoft.com/office/drawing/2014/main" id="{2F135DF6-017C-88B8-254E-C28A7F1E56A1}"/>
+              </a:ext>
+            </a:extLst>
+          </p:cNvPr>
+          <p:cNvSpPr txBox="1"/>
+          <p:nvPr/>
+        </p:nvSpPr>
+        <p:spPr>
+          <a:xfrm>
+            <a:off x="916615" y="4589209"/>
+            <a:ext cx="10045300" cy="735714"/>
+          </a:xfrm>
+          <a:prstGeom prst="rect">
+            <a:avLst/>
+          </a:prstGeom>
+          <a:noFill/>
+        </p:spPr>
+        <p:txBody>
+          <a:bodyPr wrap="square">
+            <a:spAutoFit/>
+          </a:bodyPr>
+          <a:lstStyle/>
           <a:p>
             <a:pPr marL="285750" indent="-285750">
               <a:lnSpc>
@@ -4698,39 +4931,19 @@
             </a:pPr>
             <a:r>
               <a:rPr lang="en-US" altLang="zh-CN" dirty="0"/>
-              <a:t>The second transformation is to perform data standardization.</a:t>
-            </a:r>
-          </a:p>
-          <a:p>
-            <a:pPr marL="742950" lvl="1" indent="-285750">
-              <a:lnSpc>
-                <a:spcPct val="120000"/>
-              </a:lnSpc>
-              <a:buClr>
-                <a:srgbClr val="D41B2C"/>
-              </a:buClr>
-              <a:buFont typeface="Arial" panose="020B0604020202020204" pitchFamily="34" charset="0"/>
-              <a:buChar char="•"/>
-            </a:pPr>
+              <a:t>The third transformation is </a:t>
+            </a:r>
+            <a:r>
+              <a:rPr lang="en-US" altLang="zh-CN" b="1" dirty="0">
+                <a:solidFill>
+                  <a:srgbClr val="D41B2C"/>
+                </a:solidFill>
+              </a:rPr>
+              <a:t>target encoding </a:t>
+            </a:r>
             <a:r>
               <a:rPr lang="en-US" altLang="zh-CN" dirty="0"/>
-              <a:t>We choose standardization as the method to re-scale features so that values of each feature have zero-mean and unit-variance.</a:t>
-            </a:r>
-          </a:p>
-          <a:p>
-            <a:pPr marL="285750" indent="-285750">
-              <a:lnSpc>
-                <a:spcPct val="120000"/>
-              </a:lnSpc>
-              <a:buClr>
-                <a:srgbClr val="D41B2C"/>
-              </a:buClr>
-              <a:buFont typeface="Wingdings" panose="05000000000000000000" pitchFamily="2" charset="2"/>
-              <a:buChar char="n"/>
-            </a:pPr>
-            <a:r>
-              <a:rPr lang="en-US" altLang="zh-CN" dirty="0"/>
-              <a:t>The third transformation is to target encoding for categorical data.</a:t>
+              <a:t>for categorical data.</a:t>
             </a:r>
           </a:p>
           <a:p>
@@ -4825,7 +5038,7 @@
                 <a:ea typeface="微软雅黑" panose="020B0503020204020204" pitchFamily="34" charset="-122"/>
                 <a:cs typeface="Arial" panose="020B0604020202020204" pitchFamily="34" charset="0"/>
               </a:rPr>
-              <a:t>Identify unnecessary transformation</a:t>
+              <a:t>Identify unnecessary transformations</a:t>
             </a:r>
           </a:p>
         </p:txBody>
@@ -4925,8 +5138,8 @@
         </p:nvSpPr>
         <p:spPr>
           <a:xfrm>
-            <a:off x="1268184" y="1897747"/>
-            <a:ext cx="9655632" cy="3062505"/>
+            <a:off x="781875" y="1498324"/>
+            <a:ext cx="9655632" cy="403316"/>
           </a:xfrm>
           <a:prstGeom prst="rect">
             <a:avLst/>
@@ -4949,9 +5162,50 @@
             </a:pPr>
             <a:r>
               <a:rPr lang="en-US" altLang="zh-CN" dirty="0"/>
-              <a:t>The following data transformation steps will not be included in our project</a:t>
-            </a:r>
-          </a:p>
+              <a:t>The following data transformation steps </a:t>
+            </a:r>
+            <a:r>
+              <a:rPr lang="en-US" altLang="zh-CN" b="1" dirty="0">
+                <a:solidFill>
+                  <a:srgbClr val="D41B2C"/>
+                </a:solidFill>
+              </a:rPr>
+              <a:t>will not be included </a:t>
+            </a:r>
+            <a:r>
+              <a:rPr lang="en-US" altLang="zh-CN" dirty="0"/>
+              <a:t>in our project</a:t>
+            </a:r>
+          </a:p>
+        </p:txBody>
+      </p:sp>
+      <p:sp>
+        <p:nvSpPr>
+          <p:cNvPr id="5" name="TextBox 4">
+            <a:extLst>
+              <a:ext uri="{FF2B5EF4-FFF2-40B4-BE49-F238E27FC236}">
+                <a16:creationId xmlns:a16="http://schemas.microsoft.com/office/drawing/2014/main" id="{802FA0CF-22FF-4302-36E8-8653B2291206}"/>
+              </a:ext>
+            </a:extLst>
+          </p:cNvPr>
+          <p:cNvSpPr txBox="1"/>
+          <p:nvPr/>
+        </p:nvSpPr>
+        <p:spPr>
+          <a:xfrm>
+            <a:off x="781876" y="4086693"/>
+            <a:ext cx="9655631" cy="1068113"/>
+          </a:xfrm>
+          <a:prstGeom prst="rect">
+            <a:avLst/>
+          </a:prstGeom>
+          <a:noFill/>
+        </p:spPr>
+        <p:txBody>
+          <a:bodyPr wrap="square">
+            <a:spAutoFit/>
+          </a:bodyPr>
+          <a:lstStyle/>
           <a:p>
             <a:pPr marL="285750" indent="-285750">
               <a:lnSpc>
@@ -4964,8 +5218,8 @@
               <a:buChar char="n"/>
             </a:pPr>
             <a:r>
-              <a:rPr lang="en-US" altLang="zh-CN" dirty="0"/>
-              <a:t>Drop outliers</a:t>
+              <a:rPr lang="en-US" altLang="zh-CN" b="1" dirty="0"/>
+              <a:t>Discretize continuous features</a:t>
             </a:r>
           </a:p>
           <a:p>
@@ -4979,7 +5233,7 @@
             </a:pPr>
             <a:r>
               <a:rPr lang="en-US" altLang="zh-CN" dirty="0"/>
-              <a:t>     Some data points are significantly different from the rest of dataset, but they will not be  </a:t>
+              <a:t>     Based on our observation, many of the attributes in the original data set are probably      </a:t>
             </a:r>
           </a:p>
           <a:p>
@@ -4993,9 +5247,38 @@
             </a:pPr>
             <a:r>
               <a:rPr lang="en-US" altLang="zh-CN" dirty="0"/>
-              <a:t>     considered as ‘outliers’ based on the fact that all attributes are categorical and pre-encoded.</a:t>
-            </a:r>
-          </a:p>
+              <a:t>     discretized already.</a:t>
+            </a:r>
+          </a:p>
+        </p:txBody>
+      </p:sp>
+      <p:sp>
+        <p:nvSpPr>
+          <p:cNvPr id="8" name="TextBox 7">
+            <a:extLst>
+              <a:ext uri="{FF2B5EF4-FFF2-40B4-BE49-F238E27FC236}">
+                <a16:creationId xmlns:a16="http://schemas.microsoft.com/office/drawing/2014/main" id="{B288BEE4-9806-080D-5702-1B5E82974F44}"/>
+              </a:ext>
+            </a:extLst>
+          </p:cNvPr>
+          <p:cNvSpPr txBox="1"/>
+          <p:nvPr/>
+        </p:nvSpPr>
+        <p:spPr>
+          <a:xfrm>
+            <a:off x="781875" y="2035071"/>
+            <a:ext cx="9655632" cy="1068113"/>
+          </a:xfrm>
+          <a:prstGeom prst="rect">
+            <a:avLst/>
+          </a:prstGeom>
+          <a:noFill/>
+        </p:spPr>
+        <p:txBody>
+          <a:bodyPr wrap="square">
+            <a:spAutoFit/>
+          </a:bodyPr>
+          <a:lstStyle/>
           <a:p>
             <a:pPr marL="285750" indent="-285750">
               <a:lnSpc>
@@ -5008,8 +5291,8 @@
               <a:buChar char="n"/>
             </a:pPr>
             <a:r>
-              <a:rPr lang="en-US" altLang="zh-CN" dirty="0"/>
-              <a:t>Fill/drop missingness</a:t>
+              <a:rPr lang="en-US" altLang="zh-CN" b="1" dirty="0"/>
+              <a:t>Drop outliers</a:t>
             </a:r>
           </a:p>
           <a:p>
@@ -5023,9 +5306,52 @@
             </a:pPr>
             <a:r>
               <a:rPr lang="en-US" altLang="zh-CN" dirty="0"/>
-              <a:t>     Because no missing value is found, this step is skipped.</a:t>
-            </a:r>
-          </a:p>
+              <a:t>     Some data points are significantly different from the rest of dataset, but they will not be  </a:t>
+            </a:r>
+          </a:p>
+          <a:p>
+            <a:pPr>
+              <a:lnSpc>
+                <a:spcPct val="120000"/>
+              </a:lnSpc>
+              <a:buClr>
+                <a:srgbClr val="D41B2C"/>
+              </a:buClr>
+            </a:pPr>
+            <a:r>
+              <a:rPr lang="en-US" altLang="zh-CN" dirty="0"/>
+              <a:t>     considered as ‘outliers’ based on the fact that all attributes are categorical and pre-encoded.</a:t>
+            </a:r>
+          </a:p>
+        </p:txBody>
+      </p:sp>
+      <p:sp>
+        <p:nvSpPr>
+          <p:cNvPr id="10" name="TextBox 9">
+            <a:extLst>
+              <a:ext uri="{FF2B5EF4-FFF2-40B4-BE49-F238E27FC236}">
+                <a16:creationId xmlns:a16="http://schemas.microsoft.com/office/drawing/2014/main" id="{3F5A00A6-3203-B69C-3725-82D3855BF902}"/>
+              </a:ext>
+            </a:extLst>
+          </p:cNvPr>
+          <p:cNvSpPr txBox="1"/>
+          <p:nvPr/>
+        </p:nvSpPr>
+        <p:spPr>
+          <a:xfrm>
+            <a:off x="781875" y="3227082"/>
+            <a:ext cx="9655633" cy="735714"/>
+          </a:xfrm>
+          <a:prstGeom prst="rect">
+            <a:avLst/>
+          </a:prstGeom>
+          <a:noFill/>
+        </p:spPr>
+        <p:txBody>
+          <a:bodyPr wrap="square">
+            <a:spAutoFit/>
+          </a:bodyPr>
+          <a:lstStyle/>
           <a:p>
             <a:pPr marL="285750" indent="-285750">
               <a:lnSpc>
@@ -5038,8 +5364,8 @@
               <a:buChar char="n"/>
             </a:pPr>
             <a:r>
-              <a:rPr lang="en-US" altLang="zh-CN" dirty="0"/>
-              <a:t>Discretize continuous features</a:t>
+              <a:rPr lang="en-US" altLang="zh-CN" b="1" dirty="0"/>
+              <a:t>Fill/drop missingness</a:t>
             </a:r>
           </a:p>
           <a:p>
@@ -5053,21 +5379,7 @@
             </a:pPr>
             <a:r>
               <a:rPr lang="en-US" altLang="zh-CN" dirty="0"/>
-              <a:t>     Based on our observation, many of the attributes in the original data set are probably      </a:t>
-            </a:r>
-          </a:p>
-          <a:p>
-            <a:pPr>
-              <a:lnSpc>
-                <a:spcPct val="120000"/>
-              </a:lnSpc>
-              <a:buClr>
-                <a:srgbClr val="D41B2C"/>
-              </a:buClr>
-            </a:pPr>
-            <a:r>
-              <a:rPr lang="en-US" altLang="zh-CN" dirty="0"/>
-              <a:t>     discretized already.</a:t>
+              <a:t>     Because no missing value is found, this step is skipped.</a:t>
             </a:r>
           </a:p>
         </p:txBody>
@@ -5146,7 +5458,7 @@
                 <a:ea typeface="微软雅黑" panose="020B0503020204020204" pitchFamily="34" charset="-122"/>
                 <a:cs typeface="Arial" panose="020B0604020202020204" pitchFamily="34" charset="0"/>
               </a:rPr>
-              <a:t>Identify unnecessary transformation - continued</a:t>
+              <a:t>Identify unnecessary transformations - continued</a:t>
             </a:r>
           </a:p>
         </p:txBody>
@@ -5246,8 +5558,8 @@
         </p:nvSpPr>
         <p:spPr>
           <a:xfrm>
-            <a:off x="1268184" y="2008730"/>
-            <a:ext cx="9655632" cy="3062505"/>
+            <a:off x="781878" y="1650948"/>
+            <a:ext cx="9287155" cy="1068113"/>
           </a:xfrm>
           <a:prstGeom prst="rect">
             <a:avLst/>
@@ -5271,7 +5583,7 @@
               <a:buChar char="n"/>
             </a:pPr>
             <a:r>
-              <a:rPr lang="en-US" altLang="zh-CN" dirty="0"/>
+              <a:rPr lang="en-US" altLang="zh-CN" b="1" dirty="0"/>
               <a:t>Decompose features</a:t>
             </a:r>
           </a:p>
@@ -5286,7 +5598,7 @@
             </a:pPr>
             <a:r>
               <a:rPr lang="en-US" altLang="zh-CN" dirty="0"/>
-              <a:t>     We lack information to understand the context; therefore, decomposing these transformed     </a:t>
+              <a:t>     We lack information to understand the context; therefore, decomposing these</a:t>
             </a:r>
           </a:p>
           <a:p>
@@ -5300,9 +5612,38 @@
             </a:pPr>
             <a:r>
               <a:rPr lang="en-US" altLang="zh-CN" dirty="0"/>
-              <a:t>     features is unnecessary.</a:t>
-            </a:r>
-          </a:p>
+              <a:t>     transformed features is unnecessary.</a:t>
+            </a:r>
+          </a:p>
+        </p:txBody>
+      </p:sp>
+      <p:sp>
+        <p:nvSpPr>
+          <p:cNvPr id="5" name="TextBox 4">
+            <a:extLst>
+              <a:ext uri="{FF2B5EF4-FFF2-40B4-BE49-F238E27FC236}">
+                <a16:creationId xmlns:a16="http://schemas.microsoft.com/office/drawing/2014/main" id="{54DB5937-41A9-2BC5-1C93-4329E24DCE6D}"/>
+              </a:ext>
+            </a:extLst>
+          </p:cNvPr>
+          <p:cNvSpPr txBox="1"/>
+          <p:nvPr/>
+        </p:nvSpPr>
+        <p:spPr>
+          <a:xfrm>
+            <a:off x="762000" y="2827299"/>
+            <a:ext cx="9287155" cy="1068113"/>
+          </a:xfrm>
+          <a:prstGeom prst="rect">
+            <a:avLst/>
+          </a:prstGeom>
+          <a:noFill/>
+        </p:spPr>
+        <p:txBody>
+          <a:bodyPr wrap="square">
+            <a:spAutoFit/>
+          </a:bodyPr>
+          <a:lstStyle/>
           <a:p>
             <a:pPr marL="285750" indent="-285750">
               <a:lnSpc>
@@ -5315,7 +5656,7 @@
               <a:buChar char="n"/>
             </a:pPr>
             <a:r>
-              <a:rPr lang="en-US" altLang="zh-CN" dirty="0"/>
+              <a:rPr lang="en-US" altLang="zh-CN" b="1" dirty="0"/>
               <a:t>Transform features</a:t>
             </a:r>
           </a:p>
@@ -5330,7 +5671,7 @@
             </a:pPr>
             <a:r>
               <a:rPr lang="en-US" altLang="zh-CN" dirty="0"/>
-              <a:t>     All features are categorical; therefore, log transformation or square root transformation is not  </a:t>
+              <a:t>     All features are categorical; therefore, log transformation or square root transformation is</a:t>
             </a:r>
           </a:p>
           <a:p>
@@ -5344,9 +5685,38 @@
             </a:pPr>
             <a:r>
               <a:rPr lang="en-US" altLang="zh-CN" dirty="0"/>
-              <a:t>     considered.</a:t>
-            </a:r>
-          </a:p>
+              <a:t>     not considered.</a:t>
+            </a:r>
+          </a:p>
+        </p:txBody>
+      </p:sp>
+      <p:sp>
+        <p:nvSpPr>
+          <p:cNvPr id="8" name="TextBox 7">
+            <a:extLst>
+              <a:ext uri="{FF2B5EF4-FFF2-40B4-BE49-F238E27FC236}">
+                <a16:creationId xmlns:a16="http://schemas.microsoft.com/office/drawing/2014/main" id="{14422A5A-8BCD-5D20-3094-8EEC85E373E7}"/>
+              </a:ext>
+            </a:extLst>
+          </p:cNvPr>
+          <p:cNvSpPr txBox="1"/>
+          <p:nvPr/>
+        </p:nvSpPr>
+        <p:spPr>
+          <a:xfrm>
+            <a:off x="762000" y="4003649"/>
+            <a:ext cx="9287155" cy="1068113"/>
+          </a:xfrm>
+          <a:prstGeom prst="rect">
+            <a:avLst/>
+          </a:prstGeom>
+          <a:noFill/>
+        </p:spPr>
+        <p:txBody>
+          <a:bodyPr wrap="square">
+            <a:spAutoFit/>
+          </a:bodyPr>
+          <a:lstStyle/>
           <a:p>
             <a:pPr marL="285750" indent="-285750">
               <a:lnSpc>
@@ -5359,7 +5729,7 @@
               <a:buChar char="n"/>
             </a:pPr>
             <a:r>
-              <a:rPr lang="en-US" altLang="zh-CN" dirty="0"/>
+              <a:rPr lang="en-US" altLang="zh-CN" b="1" dirty="0"/>
               <a:t>Aggregate features into new features</a:t>
             </a:r>
           </a:p>
@@ -5374,7 +5744,7 @@
             </a:pPr>
             <a:r>
               <a:rPr lang="en-US" altLang="zh-CN" dirty="0"/>
-              <a:t>     Actual meanings of numerous values are unclear, preventing us from constructing  </a:t>
+              <a:t>     The actual meanings of numerous values are unclear, preventing us from constructing  </a:t>
             </a:r>
           </a:p>
           <a:p>
@@ -5388,7 +5758,7 @@
             </a:pPr>
             <a:r>
               <a:rPr lang="en-US" altLang="zh-CN" dirty="0"/>
-              <a:t>     meaningful and useful features. </a:t>
+              <a:t>     meaningful and useful features.</a:t>
             </a:r>
           </a:p>
         </p:txBody>
@@ -5438,7 +5808,7 @@
         <p:spPr>
           <a:xfrm>
             <a:off x="781878" y="95532"/>
-            <a:ext cx="11410122" cy="658835"/>
+            <a:ext cx="11410122" cy="820674"/>
           </a:xfrm>
           <a:prstGeom prst="rect">
             <a:avLst/>
@@ -5457,7 +5827,7 @@
               </a:lnSpc>
             </a:pPr>
             <a:r>
-              <a:rPr lang="en-US" altLang="zh-CN" sz="2800" dirty="0">
+              <a:rPr lang="en-US" altLang="zh-CN" sz="3600" dirty="0">
                 <a:solidFill>
                   <a:schemeClr val="bg2">
                     <a:lumMod val="25000"/>
@@ -5567,8 +5937,8 @@
         </p:nvSpPr>
         <p:spPr>
           <a:xfrm>
-            <a:off x="781878" y="2174929"/>
-            <a:ext cx="10456736" cy="3062505"/>
+            <a:off x="781878" y="1638300"/>
+            <a:ext cx="10456736" cy="403316"/>
           </a:xfrm>
           <a:prstGeom prst="rect">
             <a:avLst/>
@@ -5579,24 +5949,11 @@
           <a:bodyPr wrap="square">
             <a:spAutoFit/>
           </a:bodyPr>
-          <a:lstStyle/>
-          <a:p>
-            <a:pPr>
-              <a:lnSpc>
-                <a:spcPct val="120000"/>
-              </a:lnSpc>
-              <a:buClr>
-                <a:srgbClr val="D41B2C"/>
-              </a:buClr>
-            </a:pPr>
-            <a:r>
-              <a:rPr lang="en-US" altLang="zh-CN" dirty="0"/>
-              <a:t>A pipeline of transformers is created to perform several important transformations listed below.</a:t>
-            </a:r>
-            <a:endParaRPr lang="en-US" altLang="zh-CN" b="1" dirty="0"/>
-          </a:p>
-          <a:p>
-            <a:pPr marL="742950" lvl="1" indent="-285750">
+          <a:lstStyle>
+            <a:defPPr>
+              <a:defRPr lang="zh-CN"/>
+            </a:defPPr>
+            <a:lvl1pPr marL="285750" indent="-285750">
               <a:lnSpc>
                 <a:spcPct val="120000"/>
               </a:lnSpc>
@@ -5605,27 +5962,8 @@
               </a:buClr>
               <a:buFont typeface="Wingdings" panose="05000000000000000000" pitchFamily="2" charset="2"/>
               <a:buChar char="n"/>
-            </a:pPr>
-            <a:endParaRPr lang="en-US" altLang="zh-CN" b="1" dirty="0"/>
-          </a:p>
-          <a:p>
-            <a:pPr marL="742950" lvl="1" indent="-285750">
-              <a:lnSpc>
-                <a:spcPct val="120000"/>
-              </a:lnSpc>
-              <a:buClr>
-                <a:srgbClr val="D41B2C"/>
-              </a:buClr>
-              <a:buFont typeface="Wingdings" panose="05000000000000000000" pitchFamily="2" charset="2"/>
-              <a:buChar char="n"/>
-            </a:pPr>
-            <a:r>
-              <a:rPr lang="en-US" altLang="zh-CN" b="1" dirty="0"/>
-              <a:t>Numerical attributes</a:t>
-            </a:r>
-          </a:p>
-          <a:p>
-            <a:pPr marL="1200150" lvl="2" indent="-285750">
+            </a:lvl1pPr>
+            <a:lvl2pPr marL="742950" lvl="1" indent="-285750">
               <a:lnSpc>
                 <a:spcPct val="120000"/>
               </a:lnSpc>
@@ -5634,105 +5972,46 @@
               </a:buClr>
               <a:buFont typeface="Arial" panose="020B0604020202020204" pitchFamily="34" charset="0"/>
               <a:buChar char="•"/>
-            </a:pPr>
-            <a:r>
-              <a:rPr lang="en-US" altLang="zh-CN" dirty="0" err="1"/>
-              <a:t>DropColumnsTransformer</a:t>
-            </a:r>
-            <a:endParaRPr lang="en-US" altLang="zh-CN" dirty="0"/>
-          </a:p>
-          <a:p>
-            <a:pPr marL="1200150" lvl="2" indent="-285750">
-              <a:lnSpc>
-                <a:spcPct val="120000"/>
-              </a:lnSpc>
-              <a:buClr>
-                <a:srgbClr val="D41B2C"/>
-              </a:buClr>
-              <a:buFont typeface="Arial" panose="020B0604020202020204" pitchFamily="34" charset="0"/>
-              <a:buChar char="•"/>
-            </a:pPr>
-            <a:r>
-              <a:rPr lang="en-US" altLang="zh-CN" dirty="0" err="1"/>
-              <a:t>StandardScaler</a:t>
-            </a:r>
+            </a:lvl2pPr>
+          </a:lstStyle>
+          <a:p>
             <a:r>
               <a:rPr lang="en-US" altLang="zh-CN" dirty="0"/>
-              <a:t>()</a:t>
-            </a:r>
-          </a:p>
-          <a:p>
-            <a:pPr marL="742950" lvl="1" indent="-285750">
-              <a:lnSpc>
-                <a:spcPct val="120000"/>
-              </a:lnSpc>
-              <a:buClr>
-                <a:srgbClr val="D41B2C"/>
-              </a:buClr>
-              <a:buFont typeface="Wingdings" panose="05000000000000000000" pitchFamily="2" charset="2"/>
-              <a:buChar char="n"/>
-            </a:pPr>
-            <a:r>
-              <a:rPr lang="en-US" altLang="zh-CN" b="1" dirty="0"/>
-              <a:t>Categorical attributes</a:t>
-            </a:r>
-          </a:p>
-          <a:p>
-            <a:pPr marL="1200150" lvl="2" indent="-285750">
-              <a:lnSpc>
-                <a:spcPct val="120000"/>
-              </a:lnSpc>
-              <a:buClr>
-                <a:srgbClr val="D41B2C"/>
-              </a:buClr>
-              <a:buFont typeface="Arial" panose="020B0604020202020204" pitchFamily="34" charset="0"/>
-              <a:buChar char="•"/>
-            </a:pPr>
-            <a:r>
-              <a:rPr lang="en-US" altLang="zh-CN" dirty="0" err="1"/>
-              <a:t>DropColumnsTransformer</a:t>
-            </a:r>
-            <a:endParaRPr lang="en-US" altLang="zh-CN" dirty="0"/>
-          </a:p>
-          <a:p>
-            <a:pPr marL="1200150" lvl="2" indent="-285750">
-              <a:lnSpc>
-                <a:spcPct val="120000"/>
-              </a:lnSpc>
-              <a:buClr>
-                <a:srgbClr val="D41B2C"/>
-              </a:buClr>
-              <a:buFont typeface="Arial" panose="020B0604020202020204" pitchFamily="34" charset="0"/>
-              <a:buChar char="•"/>
-            </a:pPr>
-            <a:r>
-              <a:rPr lang="en-US" altLang="zh-CN" dirty="0" err="1"/>
-              <a:t>StandardScaler</a:t>
-            </a:r>
-            <a:r>
-              <a:rPr lang="en-US" altLang="zh-CN" dirty="0"/>
-              <a:t>()</a:t>
-            </a:r>
-          </a:p>
-          <a:p>
-            <a:pPr marL="1200150" lvl="2" indent="-285750">
-              <a:lnSpc>
-                <a:spcPct val="120000"/>
-              </a:lnSpc>
-              <a:buClr>
-                <a:srgbClr val="D41B2C"/>
-              </a:buClr>
-              <a:buFont typeface="Arial" panose="020B0604020202020204" pitchFamily="34" charset="0"/>
-              <a:buChar char="•"/>
-            </a:pPr>
-            <a:r>
-              <a:rPr lang="en-US" altLang="zh-CN" dirty="0" err="1"/>
-              <a:t>TargetEncoder</a:t>
-            </a:r>
-            <a:endParaRPr lang="en-US" altLang="zh-CN" dirty="0"/>
-          </a:p>
-        </p:txBody>
-      </p:sp>
+              <a:t>A pipeline of transformers is created to perform several important transformations listed below.</a:t>
+            </a:r>
+          </a:p>
+        </p:txBody>
+      </p:sp>
+      <p:pic>
+        <p:nvPicPr>
+          <p:cNvPr id="6" name="Picture 5">
+            <a:extLst>
+              <a:ext uri="{FF2B5EF4-FFF2-40B4-BE49-F238E27FC236}">
+                <a16:creationId xmlns:a16="http://schemas.microsoft.com/office/drawing/2014/main" id="{EDD6226C-F79D-B22F-24E3-A25D93BD9C86}"/>
+              </a:ext>
+            </a:extLst>
+          </p:cNvPr>
+          <p:cNvPicPr>
+            <a:picLocks noChangeAspect="1"/>
+          </p:cNvPicPr>
+          <p:nvPr/>
+        </p:nvPicPr>
+        <p:blipFill>
+          <a:blip r:embed="rId2"/>
+          <a:stretch>
+            <a:fillRect/>
+          </a:stretch>
+        </p:blipFill>
+        <p:spPr>
+          <a:xfrm>
+            <a:off x="1175283" y="2382191"/>
+            <a:ext cx="6526270" cy="2837509"/>
+          </a:xfrm>
+          <a:prstGeom prst="rect">
+            <a:avLst/>
+          </a:prstGeom>
+        </p:spPr>
+      </p:pic>
     </p:spTree>
     <p:extLst>
       <p:ext uri="{BB962C8B-B14F-4D97-AF65-F5344CB8AC3E}">
@@ -5777,8 +6056,8 @@
         </p:nvSpPr>
         <p:spPr>
           <a:xfrm>
-            <a:off x="781878" y="160847"/>
-            <a:ext cx="11410122" cy="658835"/>
+            <a:off x="781878" y="116540"/>
+            <a:ext cx="11410122" cy="820674"/>
           </a:xfrm>
           <a:prstGeom prst="rect">
             <a:avLst/>
@@ -5797,7 +6076,7 @@
               </a:lnSpc>
             </a:pPr>
             <a:r>
-              <a:rPr lang="en-US" altLang="zh-CN" sz="2800" dirty="0">
+              <a:rPr lang="en-US" altLang="zh-CN" sz="3600" dirty="0">
                 <a:solidFill>
                   <a:schemeClr val="bg2">
                     <a:lumMod val="25000"/>
@@ -5907,8 +6186,8 @@
         </p:nvSpPr>
         <p:spPr>
           <a:xfrm>
-            <a:off x="6096000" y="2674685"/>
-            <a:ext cx="5667153" cy="3727302"/>
+            <a:off x="6805917" y="1916009"/>
+            <a:ext cx="4866860" cy="3727302"/>
           </a:xfrm>
           <a:prstGeom prst="rect">
             <a:avLst/>
@@ -6047,19 +6326,6 @@
               <a:rPr lang="en-US" altLang="zh-CN" dirty="0"/>
               <a:t>The dispersion and shape of data distribution is changed.</a:t>
             </a:r>
-          </a:p>
-          <a:p>
-            <a:pPr marL="742950" lvl="1" indent="-285750">
-              <a:lnSpc>
-                <a:spcPct val="120000"/>
-              </a:lnSpc>
-              <a:buClr>
-                <a:srgbClr val="D41B2C"/>
-              </a:buClr>
-              <a:buFont typeface="Wingdings" panose="05000000000000000000" pitchFamily="2" charset="2"/>
-              <a:buChar char="n"/>
-            </a:pPr>
-            <a:endParaRPr lang="en-US" altLang="zh-CN" dirty="0"/>
           </a:p>
         </p:txBody>
       </p:sp>
@@ -6085,12 +6351,17 @@
         </p:blipFill>
         <p:spPr>
           <a:xfrm>
-            <a:off x="273190" y="2142368"/>
-            <a:ext cx="5606496" cy="1278055"/>
+            <a:off x="519223" y="2224389"/>
+            <a:ext cx="5784025" cy="1278055"/>
           </a:xfrm>
           <a:prstGeom prst="rect">
             <a:avLst/>
           </a:prstGeom>
+          <a:ln>
+            <a:solidFill>
+              <a:srgbClr val="328EB5"/>
+            </a:solidFill>
+          </a:ln>
         </p:spPr>
       </p:pic>
       <p:pic>
@@ -6115,12 +6386,17 @@
         </p:blipFill>
         <p:spPr>
           <a:xfrm>
-            <a:off x="311975" y="3766411"/>
-            <a:ext cx="5546760" cy="2507918"/>
+            <a:off x="519224" y="3848432"/>
+            <a:ext cx="5784024" cy="2507918"/>
           </a:xfrm>
           <a:prstGeom prst="rect">
             <a:avLst/>
           </a:prstGeom>
+          <a:ln>
+            <a:solidFill>
+              <a:srgbClr val="328EB5"/>
+            </a:solidFill>
+          </a:ln>
         </p:spPr>
       </p:pic>
       <p:pic>
@@ -6145,12 +6421,17 @@
         </p:blipFill>
         <p:spPr>
           <a:xfrm>
-            <a:off x="282107" y="1283202"/>
-            <a:ext cx="2428436" cy="513179"/>
+            <a:off x="519224" y="1365222"/>
+            <a:ext cx="2298624" cy="485747"/>
           </a:xfrm>
           <a:prstGeom prst="rect">
             <a:avLst/>
           </a:prstGeom>
+          <a:ln>
+            <a:solidFill>
+              <a:srgbClr val="328EB5"/>
+            </a:solidFill>
+          </a:ln>
         </p:spPr>
       </p:pic>
       <p:pic>
@@ -6175,12 +6456,17 @@
         </p:blipFill>
         <p:spPr>
           <a:xfrm>
-            <a:off x="6096000" y="1211947"/>
-            <a:ext cx="4469232" cy="834140"/>
+            <a:off x="3003984" y="1364393"/>
+            <a:ext cx="3299266" cy="633637"/>
           </a:xfrm>
           <a:prstGeom prst="rect">
             <a:avLst/>
           </a:prstGeom>
+          <a:ln>
+            <a:solidFill>
+              <a:srgbClr val="328EB5"/>
+            </a:solidFill>
+          </a:ln>
         </p:spPr>
       </p:pic>
     </p:spTree>
@@ -6227,8 +6513,8 @@
         </p:nvSpPr>
         <p:spPr>
           <a:xfrm>
-            <a:off x="781878" y="160847"/>
-            <a:ext cx="11410122" cy="658835"/>
+            <a:off x="781877" y="160847"/>
+            <a:ext cx="11998457" cy="739754"/>
           </a:xfrm>
           <a:prstGeom prst="rect">
             <a:avLst/>
@@ -6247,7 +6533,7 @@
               </a:lnSpc>
             </a:pPr>
             <a:r>
-              <a:rPr lang="en-US" altLang="zh-CN" sz="2800" dirty="0">
+              <a:rPr lang="en-US" altLang="zh-CN" sz="3200" dirty="0">
                 <a:solidFill>
                   <a:schemeClr val="bg2">
                     <a:lumMod val="25000"/>
@@ -6357,8 +6643,8 @@
         </p:nvSpPr>
         <p:spPr>
           <a:xfrm>
-            <a:off x="1025484" y="4138838"/>
-            <a:ext cx="10023516" cy="1400512"/>
+            <a:off x="1025484" y="3010864"/>
+            <a:ext cx="8464379" cy="1068113"/>
           </a:xfrm>
           <a:prstGeom prst="rect">
             <a:avLst/>
@@ -6382,8 +6668,16 @@
               <a:buChar char="n"/>
             </a:pPr>
             <a:r>
+              <a:rPr lang="en-US" altLang="zh-CN" b="1" dirty="0">
+                <a:solidFill>
+                  <a:srgbClr val="D41B2C"/>
+                </a:solidFill>
+              </a:rPr>
+              <a:t>New duplicate values </a:t>
+            </a:r>
+            <a:r>
               <a:rPr lang="en-US" altLang="zh-CN" dirty="0"/>
-              <a:t>New duplicate values are found. </a:t>
+              <a:t>are found. </a:t>
             </a:r>
           </a:p>
           <a:p>
@@ -6397,7 +6691,7 @@
             </a:pPr>
             <a:r>
               <a:rPr lang="en-US" altLang="zh-CN" dirty="0"/>
-              <a:t>     This existence of new duplicate values is possible when the size of this data set is large and  </a:t>
+              <a:t>     This existence of new duplicate values is possible when the size of this data set is</a:t>
             </a:r>
           </a:p>
           <a:p>
@@ -6411,23 +6705,7 @@
             </a:pPr>
             <a:r>
               <a:rPr lang="en-US" altLang="zh-CN" dirty="0"/>
-              <a:t>     ranges of values are small.</a:t>
-            </a:r>
-          </a:p>
-          <a:p>
-            <a:pPr marL="285750" indent="-285750">
-              <a:lnSpc>
-                <a:spcPct val="120000"/>
-              </a:lnSpc>
-              <a:buClr>
-                <a:srgbClr val="D41B2C"/>
-              </a:buClr>
-              <a:buFont typeface="Wingdings" panose="05000000000000000000" pitchFamily="2" charset="2"/>
-              <a:buChar char="n"/>
-            </a:pPr>
-            <a:r>
-              <a:rPr lang="en-US" altLang="zh-CN" dirty="0"/>
-              <a:t>No missing value exists in both features and the target variable.</a:t>
+              <a:t>     large and ranges of values are small.</a:t>
             </a:r>
           </a:p>
         </p:txBody>
@@ -6454,12 +6732,17 @@
         </p:blipFill>
         <p:spPr>
           <a:xfrm>
-            <a:off x="1025484" y="1565526"/>
+            <a:off x="1025484" y="1651049"/>
             <a:ext cx="8464379" cy="1209198"/>
           </a:xfrm>
           <a:prstGeom prst="rect">
             <a:avLst/>
           </a:prstGeom>
+          <a:ln>
+            <a:solidFill>
+              <a:srgbClr val="328EB5"/>
+            </a:solidFill>
+          </a:ln>
         </p:spPr>
       </p:pic>
       <p:pic>
@@ -6484,14 +6767,72 @@
         </p:blipFill>
         <p:spPr>
           <a:xfrm>
-            <a:off x="1025484" y="3063022"/>
+            <a:off x="1025484" y="4474996"/>
             <a:ext cx="4800259" cy="731955"/>
           </a:xfrm>
           <a:prstGeom prst="rect">
             <a:avLst/>
           </a:prstGeom>
+          <a:ln>
+            <a:solidFill>
+              <a:srgbClr val="328EB5"/>
+            </a:solidFill>
+          </a:ln>
         </p:spPr>
       </p:pic>
+      <p:sp>
+        <p:nvSpPr>
+          <p:cNvPr id="4" name="TextBox 3">
+            <a:extLst>
+              <a:ext uri="{FF2B5EF4-FFF2-40B4-BE49-F238E27FC236}">
+                <a16:creationId xmlns:a16="http://schemas.microsoft.com/office/drawing/2014/main" id="{CEE4346C-607F-3358-378A-05114BB4447A}"/>
+              </a:ext>
+            </a:extLst>
+          </p:cNvPr>
+          <p:cNvSpPr txBox="1"/>
+          <p:nvPr/>
+        </p:nvSpPr>
+        <p:spPr>
+          <a:xfrm>
+            <a:off x="1025484" y="5358212"/>
+            <a:ext cx="4800259" cy="735714"/>
+          </a:xfrm>
+          <a:prstGeom prst="rect">
+            <a:avLst/>
+          </a:prstGeom>
+          <a:noFill/>
+        </p:spPr>
+        <p:txBody>
+          <a:bodyPr wrap="square">
+            <a:spAutoFit/>
+          </a:bodyPr>
+          <a:lstStyle/>
+          <a:p>
+            <a:pPr marL="285750" indent="-285750">
+              <a:lnSpc>
+                <a:spcPct val="120000"/>
+              </a:lnSpc>
+              <a:buClr>
+                <a:srgbClr val="D41B2C"/>
+              </a:buClr>
+              <a:buFont typeface="Wingdings" panose="05000000000000000000" pitchFamily="2" charset="2"/>
+              <a:buChar char="n"/>
+            </a:pPr>
+            <a:r>
+              <a:rPr lang="en-US" altLang="zh-CN" b="1" dirty="0">
+                <a:solidFill>
+                  <a:srgbClr val="D41B2C"/>
+                </a:solidFill>
+              </a:rPr>
+              <a:t>No missing value </a:t>
+            </a:r>
+            <a:r>
+              <a:rPr lang="en-US" altLang="zh-CN" dirty="0"/>
+              <a:t>exists in both features and the target variable.</a:t>
+            </a:r>
+          </a:p>
+        </p:txBody>
+      </p:sp>
     </p:spTree>
     <p:extLst>
       <p:ext uri="{BB962C8B-B14F-4D97-AF65-F5344CB8AC3E}">
@@ -6536,8 +6877,8 @@
         </p:nvSpPr>
         <p:spPr>
           <a:xfrm>
-            <a:off x="781878" y="160847"/>
-            <a:ext cx="11410122" cy="658835"/>
+            <a:off x="781878" y="132058"/>
+            <a:ext cx="11410122" cy="820674"/>
           </a:xfrm>
           <a:prstGeom prst="rect">
             <a:avLst/>
@@ -6556,7 +6897,7 @@
               </a:lnSpc>
             </a:pPr>
             <a:r>
-              <a:rPr lang="en-US" altLang="zh-CN" sz="2800" dirty="0">
+              <a:rPr lang="en-US" altLang="zh-CN" sz="3600" dirty="0">
                 <a:solidFill>
                   <a:schemeClr val="bg2">
                     <a:lumMod val="25000"/>
@@ -6566,7 +6907,7 @@
                 <a:ea typeface="微软雅黑" panose="020B0503020204020204" pitchFamily="34" charset="-122"/>
                 <a:cs typeface="Arial" panose="020B0604020202020204" pitchFamily="34" charset="0"/>
               </a:rPr>
-              <a:t>EDA on transformed train set: Visualization </a:t>
+              <a:t>EDA on transformed train set: Distribution</a:t>
             </a:r>
           </a:p>
         </p:txBody>
@@ -6666,8 +7007,8 @@
         </p:nvSpPr>
         <p:spPr>
           <a:xfrm>
-            <a:off x="7217229" y="3103613"/>
-            <a:ext cx="4545924" cy="1400512"/>
+            <a:off x="7344377" y="2693286"/>
+            <a:ext cx="4160051" cy="1068113"/>
           </a:xfrm>
           <a:prstGeom prst="rect">
             <a:avLst/>
@@ -6693,22 +7034,6 @@
             <a:r>
               <a:rPr lang="en-US" altLang="zh-CN" dirty="0"/>
               <a:t>The effect of standardization is shown on the histogram plots (x-axis). </a:t>
-            </a:r>
-          </a:p>
-          <a:p>
-            <a:pPr marL="285750" indent="-285750">
-              <a:lnSpc>
-                <a:spcPct val="120000"/>
-              </a:lnSpc>
-              <a:buClr>
-                <a:srgbClr val="D41B2C"/>
-              </a:buClr>
-              <a:buFont typeface="Wingdings" panose="05000000000000000000" pitchFamily="2" charset="2"/>
-              <a:buChar char="n"/>
-            </a:pPr>
-            <a:r>
-              <a:rPr lang="en-US" altLang="zh-CN" dirty="0"/>
-              <a:t> The number of plots is decreased because of dropped attributes. </a:t>
             </a:r>
           </a:p>
         </p:txBody>
@@ -6735,14 +7060,69 @@
         </p:blipFill>
         <p:spPr>
           <a:xfrm>
-            <a:off x="428847" y="1292133"/>
+            <a:off x="503275" y="1332878"/>
             <a:ext cx="6513417" cy="5023472"/>
           </a:xfrm>
           <a:prstGeom prst="rect">
             <a:avLst/>
           </a:prstGeom>
+          <a:ln>
+            <a:solidFill>
+              <a:srgbClr val="328EB5"/>
+            </a:solidFill>
+          </a:ln>
         </p:spPr>
       </p:pic>
+      <p:sp>
+        <p:nvSpPr>
+          <p:cNvPr id="5" name="TextBox 4">
+            <a:extLst>
+              <a:ext uri="{FF2B5EF4-FFF2-40B4-BE49-F238E27FC236}">
+                <a16:creationId xmlns:a16="http://schemas.microsoft.com/office/drawing/2014/main" id="{53C94174-6337-0699-1D75-2CA2A8D4EC9A}"/>
+              </a:ext>
+            </a:extLst>
+          </p:cNvPr>
+          <p:cNvSpPr txBox="1"/>
+          <p:nvPr/>
+        </p:nvSpPr>
+        <p:spPr>
+          <a:xfrm>
+            <a:off x="7344377" y="3955303"/>
+            <a:ext cx="4160051" cy="735714"/>
+          </a:xfrm>
+          <a:prstGeom prst="rect">
+            <a:avLst/>
+          </a:prstGeom>
+          <a:noFill/>
+        </p:spPr>
+        <p:txBody>
+          <a:bodyPr wrap="square">
+            <a:spAutoFit/>
+          </a:bodyPr>
+          <a:lstStyle>
+            <a:defPPr>
+              <a:defRPr lang="zh-CN"/>
+            </a:defPPr>
+            <a:lvl1pPr marL="285750" indent="-285750">
+              <a:lnSpc>
+                <a:spcPct val="120000"/>
+              </a:lnSpc>
+              <a:buClr>
+                <a:srgbClr val="D41B2C"/>
+              </a:buClr>
+              <a:buFont typeface="Wingdings" panose="05000000000000000000" pitchFamily="2" charset="2"/>
+              <a:buChar char="n"/>
+            </a:lvl1pPr>
+          </a:lstStyle>
+          <a:p>
+            <a:r>
+              <a:rPr lang="en-US" altLang="zh-CN" dirty="0"/>
+              <a:t>The number of plots is decreased because of dropped attributes. </a:t>
+            </a:r>
+            <a:endParaRPr lang="zh-CN" altLang="en-US" dirty="0"/>
+          </a:p>
+        </p:txBody>
+      </p:sp>
     </p:spTree>
     <p:extLst>
       <p:ext uri="{BB962C8B-B14F-4D97-AF65-F5344CB8AC3E}">
@@ -6787,8 +7167,8 @@
         </p:nvSpPr>
         <p:spPr>
           <a:xfrm>
-            <a:off x="781878" y="160847"/>
-            <a:ext cx="11410122" cy="658835"/>
+            <a:off x="781878" y="136525"/>
+            <a:ext cx="11410122" cy="820674"/>
           </a:xfrm>
           <a:prstGeom prst="rect">
             <a:avLst/>
@@ -6807,7 +7187,7 @@
               </a:lnSpc>
             </a:pPr>
             <a:r>
-              <a:rPr lang="en-US" altLang="zh-CN" sz="2800" dirty="0">
+              <a:rPr lang="en-US" altLang="zh-CN" sz="3600" dirty="0">
                 <a:solidFill>
                   <a:schemeClr val="bg2">
                     <a:lumMod val="25000"/>
@@ -6817,7 +7197,7 @@
                 <a:ea typeface="微软雅黑" panose="020B0503020204020204" pitchFamily="34" charset="-122"/>
                 <a:cs typeface="Arial" panose="020B0604020202020204" pitchFamily="34" charset="0"/>
               </a:rPr>
-              <a:t>EDA on transformed train set: outlier detection</a:t>
+              <a:t>EDA on transformed train set: Outlier detection</a:t>
             </a:r>
           </a:p>
         </p:txBody>
@@ -6917,8 +7297,8 @@
         </p:nvSpPr>
         <p:spPr>
           <a:xfrm>
-            <a:off x="781877" y="5596901"/>
-            <a:ext cx="10234465" cy="1068113"/>
+            <a:off x="930734" y="5596901"/>
+            <a:ext cx="10423066" cy="1068113"/>
           </a:xfrm>
           <a:prstGeom prst="rect">
             <a:avLst/>
@@ -6948,13 +7328,13 @@
           <a:p>
             <a:r>
               <a:rPr lang="en-US" altLang="zh-CN" dirty="0"/>
-              <a:t>The difference (outlier fraction) between pre-transformed and post-transformed data is very small. </a:t>
+              <a:t>The difference in outlier fraction between pre-transformed and post-transformed data is very small. </a:t>
             </a:r>
           </a:p>
           <a:p>
             <a:r>
               <a:rPr lang="en-US" altLang="zh-CN" dirty="0"/>
-              <a:t>Because all attributes are categorical, the existence of numerous ‘outliers’ is reasonable. No modification on these data points is added. </a:t>
+              <a:t>Because all attributes are categorical, the existence of numerous ‘outliers’ is reasonable. No modification on these data points is added.</a:t>
             </a:r>
           </a:p>
         </p:txBody>
@@ -6981,12 +7361,17 @@
         </p:blipFill>
         <p:spPr>
           <a:xfrm>
-            <a:off x="1712369" y="1193220"/>
-            <a:ext cx="3708718" cy="4266475"/>
+            <a:off x="930734" y="1262107"/>
+            <a:ext cx="3708718" cy="4197588"/>
           </a:xfrm>
           <a:prstGeom prst="rect">
             <a:avLst/>
           </a:prstGeom>
+          <a:ln>
+            <a:solidFill>
+              <a:srgbClr val="328EB5"/>
+            </a:solidFill>
+          </a:ln>
         </p:spPr>
       </p:pic>
       <p:pic>
@@ -7011,12 +7396,17 @@
         </p:blipFill>
         <p:spPr>
           <a:xfrm>
-            <a:off x="6486940" y="1193220"/>
+            <a:off x="5147078" y="1262107"/>
             <a:ext cx="3821832" cy="4197588"/>
           </a:xfrm>
           <a:prstGeom prst="rect">
             <a:avLst/>
           </a:prstGeom>
+          <a:ln>
+            <a:solidFill>
+              <a:srgbClr val="328EB5"/>
+            </a:solidFill>
+          </a:ln>
         </p:spPr>
       </p:pic>
     </p:spTree>
